--- a/web/static/assets/reporte_diarias_alcalde.pptx
+++ b/web/static/assets/reporte_diarias_alcalde.pptx
@@ -208,7 +208,7 @@
           <a:p>
             <a:fld id="{B01D829F-4B5D-4E9E-A378-A29637821052}" type="datetimeFigureOut">
               <a:rPr lang="es-VE" smtClean="0"/>
-              <a:t>29/5/2025</a:t>
+              <a:t>2/6/2025</a:t>
             </a:fld>
             <a:endParaRPr lang="es-VE" dirty="0"/>
           </a:p>
@@ -657,7 +657,7 @@
           <a:p>
             <a:fld id="{28588113-C250-4F7F-A2F0-BAF2A2390D93}" type="datetimeFigureOut">
               <a:rPr lang="es-VE" smtClean="0"/>
-              <a:t>29/5/2025</a:t>
+              <a:t>2/6/2025</a:t>
             </a:fld>
             <a:endParaRPr lang="es-VE" dirty="0"/>
           </a:p>
@@ -827,7 +827,7 @@
           <a:p>
             <a:fld id="{28588113-C250-4F7F-A2F0-BAF2A2390D93}" type="datetimeFigureOut">
               <a:rPr lang="es-VE" smtClean="0"/>
-              <a:t>29/5/2025</a:t>
+              <a:t>2/6/2025</a:t>
             </a:fld>
             <a:endParaRPr lang="es-VE" dirty="0"/>
           </a:p>
@@ -1007,7 +1007,7 @@
           <a:p>
             <a:fld id="{28588113-C250-4F7F-A2F0-BAF2A2390D93}" type="datetimeFigureOut">
               <a:rPr lang="es-VE" smtClean="0"/>
-              <a:t>29/5/2025</a:t>
+              <a:t>2/6/2025</a:t>
             </a:fld>
             <a:endParaRPr lang="es-VE" dirty="0"/>
           </a:p>
@@ -1177,7 +1177,7 @@
           <a:p>
             <a:fld id="{28588113-C250-4F7F-A2F0-BAF2A2390D93}" type="datetimeFigureOut">
               <a:rPr lang="es-VE" smtClean="0"/>
-              <a:t>29/5/2025</a:t>
+              <a:t>2/6/2025</a:t>
             </a:fld>
             <a:endParaRPr lang="es-VE" dirty="0"/>
           </a:p>
@@ -1423,7 +1423,7 @@
           <a:p>
             <a:fld id="{28588113-C250-4F7F-A2F0-BAF2A2390D93}" type="datetimeFigureOut">
               <a:rPr lang="es-VE" smtClean="0"/>
-              <a:t>29/5/2025</a:t>
+              <a:t>2/6/2025</a:t>
             </a:fld>
             <a:endParaRPr lang="es-VE" dirty="0"/>
           </a:p>
@@ -1711,7 +1711,7 @@
           <a:p>
             <a:fld id="{28588113-C250-4F7F-A2F0-BAF2A2390D93}" type="datetimeFigureOut">
               <a:rPr lang="es-VE" smtClean="0"/>
-              <a:t>29/5/2025</a:t>
+              <a:t>2/6/2025</a:t>
             </a:fld>
             <a:endParaRPr lang="es-VE" dirty="0"/>
           </a:p>
@@ -2133,7 +2133,7 @@
           <a:p>
             <a:fld id="{28588113-C250-4F7F-A2F0-BAF2A2390D93}" type="datetimeFigureOut">
               <a:rPr lang="es-VE" smtClean="0"/>
-              <a:t>29/5/2025</a:t>
+              <a:t>2/6/2025</a:t>
             </a:fld>
             <a:endParaRPr lang="es-VE" dirty="0"/>
           </a:p>
@@ -2251,7 +2251,7 @@
           <a:p>
             <a:fld id="{28588113-C250-4F7F-A2F0-BAF2A2390D93}" type="datetimeFigureOut">
               <a:rPr lang="es-VE" smtClean="0"/>
-              <a:t>29/5/2025</a:t>
+              <a:t>2/6/2025</a:t>
             </a:fld>
             <a:endParaRPr lang="es-VE" dirty="0"/>
           </a:p>
@@ -2346,7 +2346,7 @@
           <a:p>
             <a:fld id="{28588113-C250-4F7F-A2F0-BAF2A2390D93}" type="datetimeFigureOut">
               <a:rPr lang="es-VE" smtClean="0"/>
-              <a:t>29/5/2025</a:t>
+              <a:t>2/6/2025</a:t>
             </a:fld>
             <a:endParaRPr lang="es-VE" dirty="0"/>
           </a:p>
@@ -2623,7 +2623,7 @@
           <a:p>
             <a:fld id="{28588113-C250-4F7F-A2F0-BAF2A2390D93}" type="datetimeFigureOut">
               <a:rPr lang="es-VE" smtClean="0"/>
-              <a:t>29/5/2025</a:t>
+              <a:t>2/6/2025</a:t>
             </a:fld>
             <a:endParaRPr lang="es-VE" dirty="0"/>
           </a:p>
@@ -2876,7 +2876,7 @@
           <a:p>
             <a:fld id="{28588113-C250-4F7F-A2F0-BAF2A2390D93}" type="datetimeFigureOut">
               <a:rPr lang="es-VE" smtClean="0"/>
-              <a:t>29/5/2025</a:t>
+              <a:t>2/6/2025</a:t>
             </a:fld>
             <a:endParaRPr lang="es-VE" dirty="0"/>
           </a:p>
@@ -3089,7 +3089,7 @@
           <a:p>
             <a:fld id="{28588113-C250-4F7F-A2F0-BAF2A2390D93}" type="datetimeFigureOut">
               <a:rPr lang="es-VE" smtClean="0"/>
-              <a:t>29/5/2025</a:t>
+              <a:t>2/6/2025</a:t>
             </a:fld>
             <a:endParaRPr lang="es-VE" dirty="0"/>
           </a:p>
@@ -3455,7 +3455,7 @@
         <p:cNvPr id="1" name="">
           <a:extLst>
             <a:ext uri="{FF2B5EF4-FFF2-40B4-BE49-F238E27FC236}">
-              <a16:creationId xmlns="" xmlns:a16="http://schemas.microsoft.com/office/drawing/2014/main" id="{2300E9F3-5CE4-8A8E-86CD-2C653C77DD46}"/>
+              <a16:creationId xmlns:a16="http://schemas.microsoft.com/office/drawing/2014/main" xmlns="" id="{2300E9F3-5CE4-8A8E-86CD-2C653C77DD46}"/>
             </a:ext>
           </a:extLst>
         </p:cNvPr>
@@ -3475,7 +3475,7 @@
           <p:cNvPr id="2" name="AutoShape 2" descr="INFORMACIÓN BOMBERIL: Escudos de Bomberos de Venezuela">
             <a:extLst>
               <a:ext uri="{FF2B5EF4-FFF2-40B4-BE49-F238E27FC236}">
-                <a16:creationId xmlns="" xmlns:a16="http://schemas.microsoft.com/office/drawing/2014/main" id="{3F574E82-73C3-14BC-B8A7-7A172EAA67FE}"/>
+                <a16:creationId xmlns:a16="http://schemas.microsoft.com/office/drawing/2014/main" xmlns="" id="{3F574E82-73C3-14BC-B8A7-7A172EAA67FE}"/>
               </a:ext>
             </a:extLst>
           </p:cNvPr>
@@ -3520,7 +3520,7 @@
           <p:cNvPr id="3" name="Grupo 2">
             <a:extLst>
               <a:ext uri="{FF2B5EF4-FFF2-40B4-BE49-F238E27FC236}">
-                <a16:creationId xmlns="" xmlns:a16="http://schemas.microsoft.com/office/drawing/2014/main" id="{D11404EE-6795-7D0D-37AB-FF7230BB3632}"/>
+                <a16:creationId xmlns:a16="http://schemas.microsoft.com/office/drawing/2014/main" xmlns="" id="{D11404EE-6795-7D0D-37AB-FF7230BB3632}"/>
               </a:ext>
             </a:extLst>
           </p:cNvPr>
@@ -3530,9 +3530,9 @@
         <p:grpSpPr>
           <a:xfrm>
             <a:off x="20192" y="-13692"/>
-            <a:ext cx="9100273" cy="6885384"/>
+            <a:ext cx="9266512" cy="6885384"/>
             <a:chOff x="1" y="0"/>
-            <a:chExt cx="8874382" cy="6885384"/>
+            <a:chExt cx="9036495" cy="6885384"/>
           </a:xfrm>
         </p:grpSpPr>
         <p:pic>
@@ -3540,7 +3540,7 @@
             <p:cNvPr id="5" name="Imagen 4">
               <a:extLst>
                 <a:ext uri="{FF2B5EF4-FFF2-40B4-BE49-F238E27FC236}">
-                  <a16:creationId xmlns="" xmlns:a16="http://schemas.microsoft.com/office/drawing/2014/main" id="{3368EBB3-D26D-C699-871F-F041185736E1}"/>
+                  <a16:creationId xmlns:a16="http://schemas.microsoft.com/office/drawing/2014/main" xmlns="" id="{3368EBB3-D26D-C699-871F-F041185736E1}"/>
                 </a:ext>
               </a:extLst>
             </p:cNvPr>
@@ -3587,12 +3587,70 @@
             </a:prstGeom>
           </p:spPr>
         </p:pic>
+        <p:sp>
+          <p:nvSpPr>
+            <p:cNvPr id="20" name="3 CuadroTexto">
+              <a:extLst>
+                <a:ext uri="{FF2B5EF4-FFF2-40B4-BE49-F238E27FC236}">
+                  <a16:creationId xmlns:a16="http://schemas.microsoft.com/office/drawing/2014/main" xmlns="" id="{F9E3244E-36CB-776E-61FE-88C6A38171BD}"/>
+                </a:ext>
+              </a:extLst>
+            </p:cNvPr>
+            <p:cNvSpPr txBox="1">
+              <a:spLocks noChangeArrowheads="1"/>
+            </p:cNvSpPr>
+            <p:nvPr/>
+          </p:nvSpPr>
+          <p:spPr bwMode="auto">
+            <a:xfrm>
+              <a:off x="875457" y="551582"/>
+              <a:ext cx="8161039" cy="584775"/>
+            </a:xfrm>
+            <a:prstGeom prst="rect">
+              <a:avLst/>
+            </a:prstGeom>
+            <a:noFill/>
+            <a:ln w="9525">
+              <a:noFill/>
+              <a:miter lim="800000"/>
+              <a:headEnd/>
+              <a:tailEnd/>
+            </a:ln>
+          </p:spPr>
+          <p:txBody>
+            <a:bodyPr wrap="square" anchor="ctr">
+              <a:spAutoFit/>
+            </a:bodyPr>
+            <a:lstStyle/>
+            <a:p>
+              <a:pPr algn="ctr"/>
+              <a:r>
+                <a:rPr lang="es-VE" sz="3200" dirty="0">
+                  <a:ln w="0">
+                    <a:solidFill>
+                      <a:srgbClr val="FFFF00"/>
+                    </a:solidFill>
+                  </a:ln>
+                  <a:effectLst>
+                    <a:outerShdw blurRad="38100" dist="19050" dir="2700000" algn="tl" rotWithShape="0">
+                      <a:schemeClr val="dk1">
+                        <a:alpha val="40000"/>
+                      </a:schemeClr>
+                    </a:outerShdw>
+                  </a:effectLst>
+                  <a:latin typeface="Arial Black" panose="020B0A04020102020204" pitchFamily="34" charset="0"/>
+                </a:rPr>
+                <a:t> </a:t>
+              </a:r>
+            </a:p>
+          </p:txBody>
+        </p:sp>
         <p:cxnSp>
           <p:nvCxnSpPr>
             <p:cNvPr id="14" name="13 Conector recto">
               <a:extLst>
                 <a:ext uri="{FF2B5EF4-FFF2-40B4-BE49-F238E27FC236}">
-                  <a16:creationId xmlns="" xmlns:a16="http://schemas.microsoft.com/office/drawing/2014/main" id="{86A85270-2558-E3C3-B624-D9C7625E22AB}"/>
+                  <a16:creationId xmlns:a16="http://schemas.microsoft.com/office/drawing/2014/main" xmlns="" id="{86A85270-2558-E3C3-B624-D9C7625E22AB}"/>
                 </a:ext>
               </a:extLst>
             </p:cNvPr>
@@ -3601,7 +3659,7 @@
           </p:nvCxnSpPr>
           <p:spPr>
             <a:xfrm flipV="1">
-              <a:off x="1206203" y="1470"/>
+              <a:off x="857572" y="1470"/>
               <a:ext cx="0" cy="6882574"/>
             </a:xfrm>
             <a:prstGeom prst="line">
@@ -3633,7 +3691,7 @@
             <p:cNvPr id="17" name="16 Conector recto">
               <a:extLst>
                 <a:ext uri="{FF2B5EF4-FFF2-40B4-BE49-F238E27FC236}">
-                  <a16:creationId xmlns="" xmlns:a16="http://schemas.microsoft.com/office/drawing/2014/main" id="{EFAEECDC-553B-6B96-6249-3B0B5A17BBEC}"/>
+                  <a16:creationId xmlns:a16="http://schemas.microsoft.com/office/drawing/2014/main" xmlns="" id="{EFAEECDC-553B-6B96-6249-3B0B5A17BBEC}"/>
                 </a:ext>
               </a:extLst>
             </p:cNvPr>
@@ -3642,7 +3700,7 @@
           </p:nvCxnSpPr>
           <p:spPr>
             <a:xfrm flipV="1">
-              <a:off x="1062187" y="1470"/>
+              <a:off x="717131" y="1470"/>
               <a:ext cx="0" cy="6883914"/>
             </a:xfrm>
             <a:prstGeom prst="line">
@@ -3674,7 +3732,7 @@
             <p:cNvPr id="19" name="Picture 4">
               <a:extLst>
                 <a:ext uri="{FF2B5EF4-FFF2-40B4-BE49-F238E27FC236}">
-                  <a16:creationId xmlns="" xmlns:a16="http://schemas.microsoft.com/office/drawing/2014/main" id="{75AD589C-CF99-0780-2F1D-83AC2B4264D6}"/>
+                  <a16:creationId xmlns:a16="http://schemas.microsoft.com/office/drawing/2014/main" xmlns="" id="{75AD589C-CF99-0780-2F1D-83AC2B4264D6}"/>
                 </a:ext>
               </a:extLst>
             </p:cNvPr>
@@ -3718,8 +3776,8 @@
           </p:blipFill>
           <p:spPr bwMode="auto">
             <a:xfrm>
-              <a:off x="93813" y="2262216"/>
-              <a:ext cx="863760" cy="1166784"/>
+              <a:off x="48895" y="2259559"/>
+              <a:ext cx="600133" cy="868486"/>
             </a:xfrm>
             <a:prstGeom prst="rect">
               <a:avLst/>
@@ -3764,7 +3822,7 @@
             <p:cNvPr id="22" name="Imagen 46" descr="F:\escudo bomberos vzla.jpg">
               <a:extLst>
                 <a:ext uri="{FF2B5EF4-FFF2-40B4-BE49-F238E27FC236}">
-                  <a16:creationId xmlns="" xmlns:a16="http://schemas.microsoft.com/office/drawing/2014/main" id="{C33FC687-9D5D-8BEC-3F4C-0217058AEB57}"/>
+                  <a16:creationId xmlns:a16="http://schemas.microsoft.com/office/drawing/2014/main" xmlns="" id="{C33FC687-9D5D-8BEC-3F4C-0217058AEB57}"/>
                 </a:ext>
               </a:extLst>
             </p:cNvPr>
@@ -3800,8 +3858,8 @@
           </p:blipFill>
           <p:spPr bwMode="auto">
             <a:xfrm>
-              <a:off x="42394" y="980728"/>
-              <a:ext cx="947785" cy="1002665"/>
+              <a:off x="36470" y="1131617"/>
+              <a:ext cx="610441" cy="798907"/>
             </a:xfrm>
             <a:prstGeom prst="rect">
               <a:avLst/>
@@ -3820,7 +3878,7 @@
             <p:cNvPr id="4" name="3 Imagen">
               <a:extLst>
                 <a:ext uri="{FF2B5EF4-FFF2-40B4-BE49-F238E27FC236}">
-                  <a16:creationId xmlns="" xmlns:a16="http://schemas.microsoft.com/office/drawing/2014/main" id="{B38A44D8-8F54-BFA4-1020-F2CBCB595911}"/>
+                  <a16:creationId xmlns:a16="http://schemas.microsoft.com/office/drawing/2014/main" xmlns="" id="{B38A44D8-8F54-BFA4-1020-F2CBCB595911}"/>
                 </a:ext>
               </a:extLst>
             </p:cNvPr>
@@ -3843,8 +3901,8 @@
           </p:blipFill>
           <p:spPr>
             <a:xfrm>
-              <a:off x="42394" y="44624"/>
-              <a:ext cx="933122" cy="831184"/>
+              <a:off x="40350" y="200104"/>
+              <a:ext cx="554112" cy="536993"/>
             </a:xfrm>
             <a:prstGeom prst="rect">
               <a:avLst/>
@@ -3856,7 +3914,7 @@
             <p:cNvPr id="28" name="Picture 3" descr="Screenshot_20211230-071959961">
               <a:extLst>
                 <a:ext uri="{FF2B5EF4-FFF2-40B4-BE49-F238E27FC236}">
-                  <a16:creationId xmlns="" xmlns:a16="http://schemas.microsoft.com/office/drawing/2014/main" id="{E0999919-E63B-6F8D-4CC3-08D03C940E46}"/>
+                  <a16:creationId xmlns:a16="http://schemas.microsoft.com/office/drawing/2014/main" xmlns="" id="{E0999919-E63B-6F8D-4CC3-08D03C940E46}"/>
                 </a:ext>
               </a:extLst>
             </p:cNvPr>
@@ -3945,8 +4003,8 @@
           </p:blipFill>
           <p:spPr bwMode="auto">
             <a:xfrm>
-              <a:off x="144501" y="5085184"/>
-              <a:ext cx="834712" cy="875506"/>
+              <a:off x="30230" y="5018490"/>
+              <a:ext cx="616681" cy="738634"/>
             </a:xfrm>
             <a:prstGeom prst="rect">
               <a:avLst/>
@@ -3981,7 +4039,7 @@
             <p:cNvPr id="29" name="Picture 5">
               <a:extLst>
                 <a:ext uri="{FF2B5EF4-FFF2-40B4-BE49-F238E27FC236}">
-                  <a16:creationId xmlns="" xmlns:a16="http://schemas.microsoft.com/office/drawing/2014/main" id="{24948A8F-C4A1-7099-0CA1-B1DC6476BC6B}"/>
+                  <a16:creationId xmlns:a16="http://schemas.microsoft.com/office/drawing/2014/main" xmlns="" id="{24948A8F-C4A1-7099-0CA1-B1DC6476BC6B}"/>
                 </a:ext>
               </a:extLst>
             </p:cNvPr>
@@ -4005,8 +4063,8 @@
           </p:blipFill>
           <p:spPr bwMode="auto">
             <a:xfrm>
-              <a:off x="100916" y="3777630"/>
-              <a:ext cx="883924" cy="875506"/>
+              <a:off x="74748" y="3791335"/>
+              <a:ext cx="519713" cy="587461"/>
             </a:xfrm>
             <a:prstGeom prst="rect">
               <a:avLst/>
@@ -4052,7 +4110,7 @@
           <p:cNvPr id="6" name="object 35">
             <a:extLst>
               <a:ext uri="{FF2B5EF4-FFF2-40B4-BE49-F238E27FC236}">
-                <a16:creationId xmlns="" xmlns:a16="http://schemas.microsoft.com/office/drawing/2014/main" id="{8F6D8B05-DF74-64BF-0419-21D2BB235909}"/>
+                <a16:creationId xmlns:a16="http://schemas.microsoft.com/office/drawing/2014/main" xmlns="" id="{8F6D8B05-DF74-64BF-0419-21D2BB235909}"/>
               </a:ext>
             </a:extLst>
           </p:cNvPr>
@@ -4062,14 +4120,14 @@
           <p:nvPr>
             <p:extLst>
               <p:ext uri="{D42A27DB-BD31-4B8C-83A1-F6EECF244321}">
-                <p14:modId xmlns:p14="http://schemas.microsoft.com/office/powerpoint/2010/main" val="1681065657"/>
+                <p14:modId xmlns:p14="http://schemas.microsoft.com/office/powerpoint/2010/main" val="2402430096"/>
               </p:ext>
             </p:extLst>
           </p:nvPr>
         </p:nvGraphicFramePr>
         <p:xfrm>
-          <a:off x="2102386" y="1051424"/>
-          <a:ext cx="6286038" cy="3870325"/>
+          <a:off x="984699" y="1484783"/>
+          <a:ext cx="8051798" cy="3553566"/>
         </p:xfrm>
         <a:graphic>
           <a:graphicData uri="http://schemas.openxmlformats.org/drawingml/2006/table">
@@ -4078,29 +4136,29 @@
                 <a:tableStyleId>{2D5ABB26-0587-4C30-8999-92F81FD0307C}</a:tableStyleId>
               </a:tblPr>
               <a:tblGrid>
-                <a:gridCol w="327909">
+                <a:gridCol w="414626">
                   <a:extLst>
                     <a:ext uri="{9D8B030D-6E8A-4147-A177-3AD203B41FA5}">
-                      <a16:colId xmlns="" xmlns:a16="http://schemas.microsoft.com/office/drawing/2014/main" val="20000"/>
+                      <a16:colId xmlns:a16="http://schemas.microsoft.com/office/drawing/2014/main" xmlns="" val="20000"/>
                     </a:ext>
                   </a:extLst>
                 </a:gridCol>
-                <a:gridCol w="4661985">
+                <a:gridCol w="6912685">
                   <a:extLst>
                     <a:ext uri="{9D8B030D-6E8A-4147-A177-3AD203B41FA5}">
-                      <a16:colId xmlns="" xmlns:a16="http://schemas.microsoft.com/office/drawing/2014/main" val="20001"/>
+                      <a16:colId xmlns:a16="http://schemas.microsoft.com/office/drawing/2014/main" xmlns="" val="20001"/>
                     </a:ext>
                   </a:extLst>
                 </a:gridCol>
-                <a:gridCol w="1296144">
+                <a:gridCol w="724487">
                   <a:extLst>
                     <a:ext uri="{9D8B030D-6E8A-4147-A177-3AD203B41FA5}">
-                      <a16:colId xmlns="" xmlns:a16="http://schemas.microsoft.com/office/drawing/2014/main" val="20004"/>
+                      <a16:colId xmlns:a16="http://schemas.microsoft.com/office/drawing/2014/main" xmlns="" val="20004"/>
                     </a:ext>
                   </a:extLst>
                 </a:gridCol>
               </a:tblGrid>
-              <a:tr h="428102">
+              <a:tr h="729086">
                 <a:tc>
                   <a:txBody>
                     <a:bodyPr/>
@@ -4200,7 +4258,7 @@
                     <a:bodyPr/>
                     <a:lstStyle/>
                     <a:p>
-                      <a:pPr marL="470534">
+                      <a:pPr marL="470534" algn="ctr">
                         <a:lnSpc>
                           <a:spcPct val="100000"/>
                         </a:lnSpc>
@@ -4209,7 +4267,7 @@
                         </a:spcBef>
                       </a:pPr>
                       <a:r>
-                        <a:rPr lang="es-VE" sz="1200" b="1" spc="-5" dirty="0">
+                        <a:rPr lang="es-VE" sz="2800" b="1" spc="-5" dirty="0">
                           <a:solidFill>
                             <a:srgbClr val="FFFFFF"/>
                           </a:solidFill>
@@ -4218,7 +4276,7 @@
                         </a:rPr>
                         <a:t>DESCRIPCIÓN</a:t>
                       </a:r>
-                      <a:endParaRPr sz="1200" dirty="0">
+                      <a:endParaRPr sz="2800" dirty="0">
                         <a:latin typeface="Carlito"/>
                         <a:cs typeface="Carlito"/>
                       </a:endParaRPr>
@@ -4280,7 +4338,7 @@
                         </a:spcBef>
                       </a:pPr>
                       <a:r>
-                        <a:rPr lang="es-VE" sz="1200" b="1" spc="-40" dirty="0">
+                        <a:rPr lang="es-VE" sz="1100" b="1" spc="-40" dirty="0">
                           <a:solidFill>
                             <a:schemeClr val="tx1"/>
                           </a:solidFill>
@@ -4289,7 +4347,7 @@
                         </a:rPr>
                         <a:t>TOTAL</a:t>
                       </a:r>
-                      <a:endParaRPr lang="es-VE" sz="1200" dirty="0">
+                      <a:endParaRPr lang="es-VE" sz="1100" dirty="0">
                         <a:solidFill>
                           <a:schemeClr val="tx1"/>
                         </a:solidFill>
@@ -4304,7 +4362,7 @@
                         </a:lnSpc>
                       </a:pPr>
                       <a:r>
-                        <a:rPr lang="es-VE" sz="1200" b="1" spc="-5" dirty="0">
+                        <a:rPr lang="es-VE" sz="1100" b="1" spc="-5" dirty="0">
                           <a:solidFill>
                             <a:schemeClr val="tx1"/>
                           </a:solidFill>
@@ -4320,7 +4378,7 @@
                           <a:spcPct val="100000"/>
                         </a:lnSpc>
                       </a:pPr>
-                      <a:endParaRPr lang="es-VE" sz="1200" b="1" spc="-5" dirty="0">
+                      <a:endParaRPr lang="es-VE" sz="1100" b="1" spc="-5" dirty="0">
                         <a:solidFill>
                           <a:schemeClr val="tx1"/>
                         </a:solidFill>
@@ -4373,11 +4431,11 @@
                 </a:tc>
                 <a:extLst>
                   <a:ext uri="{0D108BD9-81ED-4DB2-BD59-A6C34878D82A}">
-                    <a16:rowId xmlns="" xmlns:a16="http://schemas.microsoft.com/office/drawing/2014/main" val="10000"/>
+                    <a16:rowId xmlns:a16="http://schemas.microsoft.com/office/drawing/2014/main" xmlns="" val="10000"/>
                   </a:ext>
                 </a:extLst>
               </a:tr>
-              <a:tr h="84021">
+              <a:tr h="215839">
                 <a:tc>
                   <a:txBody>
                     <a:bodyPr/>
@@ -4462,11 +4520,18 @@
                         </a:spcBef>
                       </a:pPr>
                       <a:r>
+                        <a:rPr lang="es-VE" sz="1300" dirty="0" smtClean="0">
+                          <a:latin typeface="Carlito"/>
+                          <a:cs typeface="Carlito"/>
+                        </a:rPr>
+                        <a:t>HECHOS </a:t>
+                      </a:r>
+                      <a:r>
                         <a:rPr lang="es-VE" sz="1300" dirty="0">
                           <a:latin typeface="Carlito"/>
                           <a:cs typeface="Carlito"/>
                         </a:rPr>
-                        <a:t>HECHOS VIALES </a:t>
+                        <a:t>VIALES </a:t>
                       </a:r>
                     </a:p>
                   </a:txBody>
@@ -4571,11 +4636,11 @@
                 </a:tc>
                 <a:extLst>
                   <a:ext uri="{0D108BD9-81ED-4DB2-BD59-A6C34878D82A}">
-                    <a16:rowId xmlns="" xmlns:a16="http://schemas.microsoft.com/office/drawing/2014/main" val="10004"/>
+                    <a16:rowId xmlns:a16="http://schemas.microsoft.com/office/drawing/2014/main" xmlns="" val="10004"/>
                   </a:ext>
                 </a:extLst>
               </a:tr>
-              <a:tr h="168498">
+              <a:tr h="215839">
                 <a:tc>
                   <a:txBody>
                     <a:bodyPr/>
@@ -4660,11 +4725,18 @@
                         </a:spcBef>
                       </a:pPr>
                       <a:r>
+                        <a:rPr lang="es-VE" sz="1300" dirty="0" smtClean="0">
+                          <a:latin typeface="Carlito"/>
+                          <a:cs typeface="Carlito"/>
+                        </a:rPr>
+                        <a:t>CONSULTAS </a:t>
+                      </a:r>
+                      <a:r>
                         <a:rPr lang="es-VE" sz="1300" dirty="0">
                           <a:latin typeface="Carlito"/>
                           <a:cs typeface="Carlito"/>
                         </a:rPr>
-                        <a:t>CONSULTAS MEDICAS</a:t>
+                        <a:t>MEDICAS</a:t>
                       </a:r>
                     </a:p>
                   </a:txBody>
@@ -4769,11 +4841,11 @@
                 </a:tc>
                 <a:extLst>
                   <a:ext uri="{0D108BD9-81ED-4DB2-BD59-A6C34878D82A}">
-                    <a16:rowId xmlns="" xmlns:a16="http://schemas.microsoft.com/office/drawing/2014/main" val="10009"/>
+                    <a16:rowId xmlns:a16="http://schemas.microsoft.com/office/drawing/2014/main" xmlns="" val="10009"/>
                   </a:ext>
                 </a:extLst>
               </a:tr>
-              <a:tr h="168498">
+              <a:tr h="215839">
                 <a:tc>
                   <a:txBody>
                     <a:bodyPr/>
@@ -4849,7 +4921,7 @@
                     <a:bodyPr/>
                     <a:lstStyle/>
                     <a:p>
-                      <a:pPr>
+                      <a:pPr algn="l">
                         <a:lnSpc>
                           <a:spcPct val="100000"/>
                         </a:lnSpc>
@@ -4858,11 +4930,18 @@
                         </a:spcBef>
                       </a:pPr>
                       <a:r>
+                        <a:rPr lang="es-ES" sz="1300" dirty="0" smtClean="0">
+                          <a:latin typeface="Carlito"/>
+                          <a:cs typeface="Carlito"/>
+                        </a:rPr>
+                        <a:t>OPERACIONES </a:t>
+                      </a:r>
+                      <a:r>
                         <a:rPr lang="es-ES" sz="1300" dirty="0">
                           <a:latin typeface="Carlito"/>
                           <a:cs typeface="Carlito"/>
                         </a:rPr>
-                        <a:t>OPERACIONES – COMUNICACIONES – PUESTOS DE AVANZADA</a:t>
+                        <a:t>– COMUNICACIONES – PUESTOS DE AVANZADA</a:t>
                       </a:r>
                     </a:p>
                   </a:txBody>
@@ -4967,11 +5046,11 @@
                 </a:tc>
                 <a:extLst>
                   <a:ext uri="{0D108BD9-81ED-4DB2-BD59-A6C34878D82A}">
-                    <a16:rowId xmlns="" xmlns:a16="http://schemas.microsoft.com/office/drawing/2014/main" val="10010"/>
+                    <a16:rowId xmlns:a16="http://schemas.microsoft.com/office/drawing/2014/main" xmlns="" val="10010"/>
                   </a:ext>
                 </a:extLst>
               </a:tr>
-              <a:tr h="168498">
+              <a:tr h="215839">
                 <a:tc>
                   <a:txBody>
                     <a:bodyPr/>
@@ -5056,18 +5135,25 @@
                         </a:spcBef>
                       </a:pPr>
                       <a:r>
-                        <a:rPr lang="es-VE" sz="1300" dirty="0">
+                        <a:rPr lang="es-VE" sz="1300" dirty="0" smtClean="0">
                           <a:latin typeface="Carlito"/>
                           <a:cs typeface="Carlito"/>
                         </a:rPr>
                         <a:t>ABORDAJES</a:t>
                       </a:r>
                       <a:r>
+                        <a:rPr lang="es-VE" sz="1300" baseline="0" dirty="0" smtClean="0">
+                          <a:latin typeface="Carlito"/>
+                          <a:cs typeface="Carlito"/>
+                        </a:rPr>
+                        <a:t> </a:t>
+                      </a:r>
+                      <a:r>
                         <a:rPr lang="es-VE" sz="1300" baseline="0" dirty="0">
                           <a:latin typeface="Carlito"/>
                           <a:cs typeface="Carlito"/>
                         </a:rPr>
-                        <a:t> A COMUNIDADES TRASLADOS CON AMBULANCIA.</a:t>
+                        <a:t>A COMUNIDADES TRASLADOS CON AMBULANCIA.</a:t>
                       </a:r>
                       <a:endParaRPr lang="es-VE" sz="1300" dirty="0">
                         <a:latin typeface="Carlito"/>
@@ -5176,11 +5262,11 @@
                 </a:tc>
                 <a:extLst>
                   <a:ext uri="{0D108BD9-81ED-4DB2-BD59-A6C34878D82A}">
-                    <a16:rowId xmlns="" xmlns:a16="http://schemas.microsoft.com/office/drawing/2014/main" val="10011"/>
+                    <a16:rowId xmlns:a16="http://schemas.microsoft.com/office/drawing/2014/main" xmlns="" val="10011"/>
                   </a:ext>
                 </a:extLst>
               </a:tr>
-              <a:tr h="168988">
+              <a:tr h="216467">
                 <a:tc>
                   <a:txBody>
                     <a:bodyPr/>
@@ -5265,18 +5351,25 @@
                         </a:spcBef>
                       </a:pPr>
                       <a:r>
-                        <a:rPr lang="es-VE" sz="1300">
+                        <a:rPr lang="es-VE" sz="1300" dirty="0" smtClean="0">
                           <a:latin typeface="Carlito"/>
                           <a:cs typeface="Carlito"/>
                         </a:rPr>
                         <a:t>ATENCIONES</a:t>
                       </a:r>
                       <a:r>
-                        <a:rPr lang="es-VE" sz="1300" baseline="0">
+                        <a:rPr lang="es-VE" sz="1300" baseline="0" dirty="0" smtClean="0">
                           <a:latin typeface="Carlito"/>
                           <a:cs typeface="Carlito"/>
                         </a:rPr>
-                        <a:t> PREHOSPITALARIAS-VERIFICACION DE SIGNOS VITALES</a:t>
+                        <a:t> </a:t>
+                      </a:r>
+                      <a:r>
+                        <a:rPr lang="es-VE" sz="1300" baseline="0" dirty="0">
+                          <a:latin typeface="Carlito"/>
+                          <a:cs typeface="Carlito"/>
+                        </a:rPr>
+                        <a:t>PREHOSPITALARIAS-VERIFICACION DE SIGNOS VITALES</a:t>
                       </a:r>
                       <a:endParaRPr lang="es-VE" sz="1300" dirty="0">
                         <a:latin typeface="Carlito"/>
@@ -5385,11 +5478,11 @@
                 </a:tc>
                 <a:extLst>
                   <a:ext uri="{0D108BD9-81ED-4DB2-BD59-A6C34878D82A}">
-                    <a16:rowId xmlns="" xmlns:a16="http://schemas.microsoft.com/office/drawing/2014/main" val="10014"/>
+                    <a16:rowId xmlns:a16="http://schemas.microsoft.com/office/drawing/2014/main" xmlns="" val="10014"/>
                   </a:ext>
                 </a:extLst>
               </a:tr>
-              <a:tr h="177758">
+              <a:tr h="216467">
                 <a:tc>
                   <a:txBody>
                     <a:bodyPr/>
@@ -5474,11 +5567,18 @@
                         </a:spcBef>
                       </a:pPr>
                       <a:r>
+                        <a:rPr lang="es-VE" sz="1300" dirty="0" smtClean="0">
+                          <a:latin typeface="Carlito"/>
+                          <a:cs typeface="Carlito"/>
+                        </a:rPr>
+                        <a:t>SERVICIOS </a:t>
+                      </a:r>
+                      <a:r>
                         <a:rPr lang="es-VE" sz="1300" dirty="0">
                           <a:latin typeface="Carlito"/>
                           <a:cs typeface="Carlito"/>
                         </a:rPr>
-                        <a:t>SERVICIOS ESPECIALES (SUMINISTROS, APOYOS INST.)</a:t>
+                        <a:t>ESPECIALES (SUMINISTROS, APOYOS INST.)</a:t>
                       </a:r>
                     </a:p>
                   </a:txBody>
@@ -5583,11 +5683,11 @@
                 </a:tc>
                 <a:extLst>
                   <a:ext uri="{0D108BD9-81ED-4DB2-BD59-A6C34878D82A}">
-                    <a16:rowId xmlns="" xmlns:a16="http://schemas.microsoft.com/office/drawing/2014/main" val="1994147292"/>
+                    <a16:rowId xmlns:a16="http://schemas.microsoft.com/office/drawing/2014/main" xmlns="" val="1994147292"/>
                   </a:ext>
                 </a:extLst>
               </a:tr>
-              <a:tr h="177758">
+              <a:tr h="408824">
                 <a:tc>
                   <a:txBody>
                     <a:bodyPr/>
@@ -5602,7 +5702,7 @@
                         </a:spcBef>
                       </a:pPr>
                       <a:r>
-                        <a:rPr lang="es-ES" sz="1300" b="1" dirty="0">
+                        <a:rPr lang="es-ES" sz="1300" b="1" dirty="0" smtClean="0">
                           <a:solidFill>
                             <a:schemeClr val="tx1"/>
                           </a:solidFill>
@@ -5611,6 +5711,13 @@
                         </a:rPr>
                         <a:t>7</a:t>
                       </a:r>
+                      <a:endParaRPr lang="es-ES" sz="1300" b="1" dirty="0">
+                        <a:solidFill>
+                          <a:schemeClr val="tx1"/>
+                        </a:solidFill>
+                        <a:latin typeface="Carlito"/>
+                        <a:cs typeface="Carlito"/>
+                      </a:endParaRPr>
                     </a:p>
                   </a:txBody>
                   <a:tcPr marL="0" marR="0" marT="20955" marB="0" anchor="ctr">
@@ -5663,20 +5770,42 @@
                     <a:bodyPr/>
                     <a:lstStyle/>
                     <a:p>
-                      <a:pPr algn="l" rtl="0" fontAlgn="ctr"/>
+                      <a:pPr lvl="0" algn="l">
+                        <a:lnSpc>
+                          <a:spcPct val="100000"/>
+                        </a:lnSpc>
+                        <a:spcBef>
+                          <a:spcPts val="155"/>
+                        </a:spcBef>
+                      </a:pPr>
                       <a:r>
-                        <a:rPr lang="es-ES" sz="1000" b="0" i="0" u="none" strike="noStrike" dirty="0">
-                          <a:solidFill>
-                            <a:srgbClr val="000000"/>
-                          </a:solidFill>
-                          <a:effectLst/>
-                          <a:latin typeface="Arial" panose="020B0604020202020204" pitchFamily="34" charset="0"/>
+                        <a:rPr lang="es-VE" sz="1300" dirty="0" smtClean="0">
+                          <a:latin typeface="Carlito"/>
+                          <a:cs typeface="Carlito"/>
                         </a:rPr>
-                        <a:t>INSPECCIONES A ESTABLECIMIENTOS COMERCIALES - INVESTIGACION</a:t>
+                        <a:t>INCENDIOS (ESTRUCTURALES, FORESTALES, DESECHOS, VEGETACIÓN,GLP,</a:t>
                       </a:r>
+                      <a:r>
+                        <a:rPr lang="es-VE" sz="1300" baseline="0" dirty="0" smtClean="0">
+                          <a:latin typeface="Carlito"/>
+                          <a:cs typeface="Carlito"/>
+                        </a:rPr>
+                        <a:t>       </a:t>
+                      </a:r>
+                      <a:r>
+                        <a:rPr lang="es-VE" sz="1300" dirty="0" smtClean="0">
+                          <a:latin typeface="Carlito"/>
+                          <a:cs typeface="Carlito"/>
+                        </a:rPr>
+                        <a:t>DERRAME DE COBUSTIBLE)</a:t>
+                      </a:r>
+                      <a:endParaRPr lang="es-VE" sz="1300" dirty="0">
+                        <a:latin typeface="Carlito"/>
+                        <a:cs typeface="Carlito"/>
+                      </a:endParaRPr>
                     </a:p>
                   </a:txBody>
-                  <a:tcPr marL="9525" marR="9525" marT="9525" marB="0" anchor="ctr">
+                  <a:tcPr marL="0" marR="0" marT="20955" marB="0" anchor="ctr">
                     <a:lnL w="12700" cap="flat" cmpd="sng" algn="ctr">
                       <a:solidFill>
                         <a:schemeClr val="tx1"/>
@@ -5733,7 +5862,7 @@
                       </a:endParaRPr>
                     </a:p>
                   </a:txBody>
-                  <a:tcPr marL="9525" marR="9525" marT="9525" marB="0" anchor="ctr">
+                  <a:tcPr marL="6350" marR="6350" marT="6350" marB="0" anchor="ctr">
                     <a:lnL w="12700" cap="flat" cmpd="sng" algn="ctr">
                       <a:solidFill>
                         <a:schemeClr val="tx1"/>
@@ -5777,11 +5906,11 @@
                 </a:tc>
                 <a:extLst>
                   <a:ext uri="{0D108BD9-81ED-4DB2-BD59-A6C34878D82A}">
-                    <a16:rowId xmlns="" xmlns:a16="http://schemas.microsoft.com/office/drawing/2014/main" val="1159522648"/>
+                    <a16:rowId xmlns:a16="http://schemas.microsoft.com/office/drawing/2014/main" xmlns="" val="1159522648"/>
                   </a:ext>
                 </a:extLst>
               </a:tr>
-              <a:tr h="177758">
+              <a:tr h="216467">
                 <a:tc>
                   <a:txBody>
                     <a:bodyPr/>
@@ -5857,20 +5986,28 @@
                     <a:bodyPr/>
                     <a:lstStyle/>
                     <a:p>
-                      <a:pPr algn="l" rtl="0" fontAlgn="ctr"/>
+                      <a:pPr>
+                        <a:lnSpc>
+                          <a:spcPct val="100000"/>
+                        </a:lnSpc>
+                        <a:spcBef>
+                          <a:spcPts val="155"/>
+                        </a:spcBef>
+                      </a:pPr>
                       <a:r>
-                        <a:rPr lang="es-VE" sz="1000" b="0" i="0" u="none" strike="noStrike">
-                          <a:solidFill>
-                            <a:srgbClr val="000000"/>
-                          </a:solidFill>
-                          <a:effectLst/>
-                          <a:latin typeface="Arial" panose="020B0604020202020204" pitchFamily="34" charset="0"/>
+                        <a:rPr lang="es-VE" sz="1300" dirty="0" smtClean="0">
+                          <a:latin typeface="Carlito"/>
+                          <a:cs typeface="Carlito"/>
                         </a:rPr>
-                        <a:t>INSPECCIONES A ZONAS DE RIESGO</a:t>
+                        <a:t>TALAS- PODAS</a:t>
                       </a:r>
+                      <a:endParaRPr lang="es-VE" sz="1300" dirty="0">
+                        <a:latin typeface="Carlito"/>
+                        <a:cs typeface="Carlito"/>
+                      </a:endParaRPr>
                     </a:p>
                   </a:txBody>
-                  <a:tcPr marL="9525" marR="9525" marT="9525" marB="0" anchor="ctr">
+                  <a:tcPr marL="0" marR="0" marT="20955" marB="0" anchor="ctr">
                     <a:lnL w="12700" cap="flat" cmpd="sng" algn="ctr">
                       <a:solidFill>
                         <a:schemeClr val="tx1"/>
@@ -5927,7 +6064,7 @@
                       </a:endParaRPr>
                     </a:p>
                   </a:txBody>
-                  <a:tcPr marL="9525" marR="9525" marT="9525" marB="0" anchor="ctr">
+                  <a:tcPr marL="6350" marR="6350" marT="6350" marB="0" anchor="ctr">
                     <a:lnL w="12700" cap="flat" cmpd="sng" algn="ctr">
                       <a:solidFill>
                         <a:schemeClr val="tx1"/>
@@ -5971,11 +6108,11 @@
                 </a:tc>
                 <a:extLst>
                   <a:ext uri="{0D108BD9-81ED-4DB2-BD59-A6C34878D82A}">
-                    <a16:rowId xmlns="" xmlns:a16="http://schemas.microsoft.com/office/drawing/2014/main" val="2609083440"/>
+                    <a16:rowId xmlns:a16="http://schemas.microsoft.com/office/drawing/2014/main" xmlns="" val="2609083440"/>
                   </a:ext>
                 </a:extLst>
               </a:tr>
-              <a:tr h="177758">
+              <a:tr h="216467">
                 <a:tc>
                   <a:txBody>
                     <a:bodyPr/>
@@ -6051,20 +6188,28 @@
                     <a:bodyPr/>
                     <a:lstStyle/>
                     <a:p>
-                      <a:pPr algn="l" rtl="0" fontAlgn="ctr"/>
+                      <a:pPr>
+                        <a:lnSpc>
+                          <a:spcPct val="100000"/>
+                        </a:lnSpc>
+                        <a:spcBef>
+                          <a:spcPts val="155"/>
+                        </a:spcBef>
+                      </a:pPr>
                       <a:r>
-                        <a:rPr lang="es-ES" sz="1000" b="0" i="0" u="none" strike="noStrike">
-                          <a:solidFill>
-                            <a:srgbClr val="000000"/>
-                          </a:solidFill>
-                          <a:effectLst/>
-                          <a:latin typeface="Arial" panose="020B0604020202020204" pitchFamily="34" charset="0"/>
+                        <a:rPr lang="es-VE" sz="1300" dirty="0" smtClean="0">
+                          <a:latin typeface="Carlito"/>
+                          <a:cs typeface="Carlito"/>
                         </a:rPr>
-                        <a:t>INCENDIOS (ESTRUCTURALES, FORESTALES, DESECHOS, VEGETACIÓN,GLP, DERRAME DE COBUSTIBLE)</a:t>
+                        <a:t>POV-APOSTAMIENTOS</a:t>
                       </a:r>
+                      <a:endParaRPr lang="es-VE" sz="1300" dirty="0">
+                        <a:latin typeface="Carlito"/>
+                        <a:cs typeface="Carlito"/>
+                      </a:endParaRPr>
                     </a:p>
                   </a:txBody>
-                  <a:tcPr marL="9525" marR="9525" marT="9525" marB="0" anchor="ctr">
+                  <a:tcPr marL="0" marR="0" marT="20955" marB="0" anchor="ctr">
                     <a:lnL w="12700" cap="flat" cmpd="sng" algn="ctr">
                       <a:solidFill>
                         <a:schemeClr val="tx1"/>
@@ -6121,7 +6266,7 @@
                       </a:endParaRPr>
                     </a:p>
                   </a:txBody>
-                  <a:tcPr marL="9525" marR="9525" marT="9525" marB="0" anchor="ctr">
+                  <a:tcPr marL="6350" marR="6350" marT="6350" marB="0" anchor="ctr">
                     <a:lnL w="12700" cap="flat" cmpd="sng" algn="ctr">
                       <a:solidFill>
                         <a:schemeClr val="tx1"/>
@@ -6165,11 +6310,11 @@
                 </a:tc>
                 <a:extLst>
                   <a:ext uri="{0D108BD9-81ED-4DB2-BD59-A6C34878D82A}">
-                    <a16:rowId xmlns="" xmlns:a16="http://schemas.microsoft.com/office/drawing/2014/main" val="4015799868"/>
+                    <a16:rowId xmlns:a16="http://schemas.microsoft.com/office/drawing/2014/main" xmlns="" val="4015799868"/>
                   </a:ext>
                 </a:extLst>
               </a:tr>
-              <a:tr h="177758">
+              <a:tr h="216467">
                 <a:tc>
                   <a:txBody>
                     <a:bodyPr/>
@@ -6184,7 +6329,7 @@
                         </a:spcBef>
                       </a:pPr>
                       <a:r>
-                        <a:rPr lang="es-ES" sz="1300" b="1" dirty="0">
+                        <a:rPr lang="es-ES" sz="1300" b="1" dirty="0" smtClean="0">
                           <a:solidFill>
                             <a:schemeClr val="tx1"/>
                           </a:solidFill>
@@ -6193,6 +6338,13 @@
                         </a:rPr>
                         <a:t>10</a:t>
                       </a:r>
+                      <a:endParaRPr lang="es-ES" sz="1300" b="1" dirty="0">
+                        <a:solidFill>
+                          <a:schemeClr val="tx1"/>
+                        </a:solidFill>
+                        <a:latin typeface="Carlito"/>
+                        <a:cs typeface="Carlito"/>
+                      </a:endParaRPr>
                     </a:p>
                   </a:txBody>
                   <a:tcPr marL="0" marR="0" marT="20955" marB="0" anchor="ctr">
@@ -6245,20 +6397,35 @@
                     <a:bodyPr/>
                     <a:lstStyle/>
                     <a:p>
-                      <a:pPr algn="l" rtl="0" fontAlgn="ctr"/>
+                      <a:pPr>
+                        <a:lnSpc>
+                          <a:spcPct val="100000"/>
+                        </a:lnSpc>
+                        <a:spcBef>
+                          <a:spcPts val="155"/>
+                        </a:spcBef>
+                      </a:pPr>
                       <a:r>
-                        <a:rPr lang="es-VE" sz="1000" b="0" i="0" u="none" strike="noStrike">
-                          <a:solidFill>
-                            <a:srgbClr val="000000"/>
-                          </a:solidFill>
-                          <a:effectLst/>
-                          <a:latin typeface="Arial" panose="020B0604020202020204" pitchFamily="34" charset="0"/>
+                        <a:rPr lang="es-MX" sz="1300" dirty="0" smtClean="0">
+                          <a:latin typeface="Carlito"/>
+                          <a:cs typeface="Carlito"/>
                         </a:rPr>
-                        <a:t>RESCATE (PERSONAS, ANIMALES)</a:t>
+                        <a:t>RESCATE </a:t>
                       </a:r>
+                      <a:r>
+                        <a:rPr lang="es-MX" sz="1300" dirty="0">
+                          <a:latin typeface="Carlito"/>
+                          <a:cs typeface="Carlito"/>
+                        </a:rPr>
+                        <a:t>(PERSONAS, ANIMALES)</a:t>
+                      </a:r>
+                      <a:endParaRPr lang="es-VE" sz="1300" dirty="0">
+                        <a:latin typeface="Carlito"/>
+                        <a:cs typeface="Carlito"/>
+                      </a:endParaRPr>
                     </a:p>
                   </a:txBody>
-                  <a:tcPr marL="9525" marR="9525" marT="9525" marB="0" anchor="ctr">
+                  <a:tcPr marL="0" marR="0" marT="20955" marB="0" anchor="ctr">
                     <a:lnL w="12700" cap="flat" cmpd="sng" algn="ctr">
                       <a:solidFill>
                         <a:schemeClr val="tx1"/>
@@ -6315,7 +6482,7 @@
                       </a:endParaRPr>
                     </a:p>
                   </a:txBody>
-                  <a:tcPr marL="9525" marR="9525" marT="9525" marB="0" anchor="ctr">
+                  <a:tcPr marL="6350" marR="6350" marT="6350" marB="0" anchor="ctr">
                     <a:lnL w="12700" cap="flat" cmpd="sng" algn="ctr">
                       <a:solidFill>
                         <a:schemeClr val="tx1"/>
@@ -6359,11 +6526,11 @@
                 </a:tc>
                 <a:extLst>
                   <a:ext uri="{0D108BD9-81ED-4DB2-BD59-A6C34878D82A}">
-                    <a16:rowId xmlns="" xmlns:a16="http://schemas.microsoft.com/office/drawing/2014/main" val="4053334405"/>
+                    <a16:rowId xmlns:a16="http://schemas.microsoft.com/office/drawing/2014/main" xmlns="" val="4053334405"/>
                   </a:ext>
                 </a:extLst>
               </a:tr>
-              <a:tr h="177758">
+              <a:tr h="216467">
                 <a:tc>
                   <a:txBody>
                     <a:bodyPr/>
@@ -6439,20 +6606,49 @@
                     <a:bodyPr/>
                     <a:lstStyle/>
                     <a:p>
-                      <a:pPr algn="l" rtl="0" fontAlgn="ctr"/>
+                      <a:pPr>
+                        <a:lnSpc>
+                          <a:spcPct val="100000"/>
+                        </a:lnSpc>
+                        <a:spcBef>
+                          <a:spcPts val="155"/>
+                        </a:spcBef>
+                      </a:pPr>
                       <a:r>
-                        <a:rPr lang="es-VE" sz="1000" b="0" i="0" u="none" strike="noStrike" dirty="0">
-                          <a:solidFill>
-                            <a:srgbClr val="000000"/>
-                          </a:solidFill>
-                          <a:effectLst/>
-                          <a:latin typeface="Arial" panose="020B0604020202020204" pitchFamily="34" charset="0"/>
+                        <a:rPr lang="es-ES" sz="1300" dirty="0" smtClean="0">
+                          <a:latin typeface="Carlito"/>
+                          <a:cs typeface="Carlito"/>
                         </a:rPr>
-                        <a:t>HIMENÓPTEROS(ABEJA/AVISPAS)</a:t>
+                        <a:t>INSPECCIONES </a:t>
                       </a:r>
+                      <a:r>
+                        <a:rPr lang="es-ES" sz="1300" dirty="0">
+                          <a:latin typeface="Carlito"/>
+                          <a:cs typeface="Carlito"/>
+                        </a:rPr>
+                        <a:t>A ESTABLECIMIENTOS COMERCIALES </a:t>
+                      </a:r>
+                      <a:r>
+                        <a:rPr lang="es-ES" sz="1300" dirty="0" smtClean="0">
+                          <a:latin typeface="Carlito"/>
+                          <a:cs typeface="Carlito"/>
+                        </a:rPr>
+                        <a:t>– </a:t>
+                      </a:r>
+                      <a:r>
+                        <a:rPr lang="es-ES" sz="1300" dirty="0">
+                          <a:latin typeface="Carlito"/>
+                          <a:cs typeface="Carlito"/>
+                        </a:rPr>
+                        <a:t>INVESTIGACION</a:t>
+                      </a:r>
+                      <a:endParaRPr lang="es-VE" sz="1300" dirty="0">
+                        <a:latin typeface="Carlito"/>
+                        <a:cs typeface="Carlito"/>
+                      </a:endParaRPr>
                     </a:p>
                   </a:txBody>
-                  <a:tcPr marL="6350" marR="6350" marT="6350" marB="0" anchor="ctr">
+                  <a:tcPr marL="0" marR="0" marT="20955" marB="0" anchor="ctr">
                     <a:lnL w="12700" cap="flat" cmpd="sng" algn="ctr">
                       <a:solidFill>
                         <a:schemeClr val="tx1"/>
@@ -6509,7 +6705,7 @@
                       </a:endParaRPr>
                     </a:p>
                   </a:txBody>
-                  <a:tcPr marL="9525" marR="9525" marT="9525" marB="0" anchor="ctr">
+                  <a:tcPr marL="6350" marR="6350" marT="6350" marB="0" anchor="ctr">
                     <a:lnL w="12700" cap="flat" cmpd="sng" algn="ctr">
                       <a:solidFill>
                         <a:schemeClr val="tx1"/>
@@ -6553,11 +6749,11 @@
                 </a:tc>
                 <a:extLst>
                   <a:ext uri="{0D108BD9-81ED-4DB2-BD59-A6C34878D82A}">
-                    <a16:rowId xmlns="" xmlns:a16="http://schemas.microsoft.com/office/drawing/2014/main" val="946329926"/>
+                    <a16:rowId xmlns:a16="http://schemas.microsoft.com/office/drawing/2014/main" xmlns="" val="946329926"/>
                   </a:ext>
                 </a:extLst>
               </a:tr>
-              <a:tr h="177758">
+              <a:tr h="216467">
                 <a:tc>
                   <a:txBody>
                     <a:bodyPr/>
@@ -6635,14 +6831,24 @@
                     <a:p>
                       <a:pPr algn="l" rtl="0" fontAlgn="ctr"/>
                       <a:r>
-                        <a:rPr lang="es-VE" sz="1000" b="0" i="0" u="none" strike="noStrike" dirty="0">
+                        <a:rPr lang="es-VE" sz="1300" b="0" i="0" u="none" strike="noStrike" dirty="0" smtClean="0">
                           <a:solidFill>
                             <a:srgbClr val="000000"/>
                           </a:solidFill>
                           <a:effectLst/>
-                          <a:latin typeface="Arial" panose="020B0604020202020204" pitchFamily="34" charset="0"/>
+                          <a:latin typeface="Carlito"/>
                         </a:rPr>
-                        <a:t>TALAS, PODAS</a:t>
+                        <a:t>INSPECCIONES </a:t>
+                      </a:r>
+                      <a:r>
+                        <a:rPr lang="es-VE" sz="1300" b="0" i="0" u="none" strike="noStrike" dirty="0">
+                          <a:solidFill>
+                            <a:srgbClr val="000000"/>
+                          </a:solidFill>
+                          <a:effectLst/>
+                          <a:latin typeface="Carlito"/>
+                        </a:rPr>
+                        <a:t>A ZONAS DE RIESGO</a:t>
                       </a:r>
                     </a:p>
                   </a:txBody>
@@ -6703,7 +6909,7 @@
                       </a:endParaRPr>
                     </a:p>
                   </a:txBody>
-                  <a:tcPr marL="9525" marR="9525" marT="9525" marB="0" anchor="ctr">
+                  <a:tcPr marL="6350" marR="6350" marT="6350" marB="0" anchor="ctr">
                     <a:lnL w="12700" cap="flat" cmpd="sng" algn="ctr">
                       <a:solidFill>
                         <a:schemeClr val="tx1"/>
@@ -6747,7 +6953,7 @@
                 </a:tc>
                 <a:extLst>
                   <a:ext uri="{0D108BD9-81ED-4DB2-BD59-A6C34878D82A}">
-                    <a16:rowId xmlns="" xmlns:a16="http://schemas.microsoft.com/office/drawing/2014/main" val="1581367895"/>
+                    <a16:rowId xmlns:a16="http://schemas.microsoft.com/office/drawing/2014/main" xmlns="" val="1581367895"/>
                   </a:ext>
                 </a:extLst>
               </a:tr>
@@ -6765,6 +6971,13 @@
   <p:clrMapOvr>
     <a:masterClrMapping/>
   </p:clrMapOvr>
+  <p:timing>
+    <p:tnLst>
+      <p:par>
+        <p:cTn id="1" dur="indefinite" restart="never" nodeType="tmRoot"/>
+      </p:par>
+    </p:tnLst>
+  </p:timing>
 </p:sld>
 </file>
 
